--- a/Presentation Material/Gilligan’s Coconut TV.pptx
+++ b/Presentation Material/Gilligan’s Coconut TV.pptx
@@ -5,31 +5,32 @@
     <p:sldMasterId id="2147483648" r:id="rId1"/>
   </p:sldMasterIdLst>
   <p:sldIdLst>
-    <p:sldId id="274" r:id="rId2"/>
-    <p:sldId id="256" r:id="rId3"/>
-    <p:sldId id="259" r:id="rId4"/>
-    <p:sldId id="262" r:id="rId5"/>
-    <p:sldId id="258" r:id="rId6"/>
-    <p:sldId id="283" r:id="rId7"/>
-    <p:sldId id="260" r:id="rId8"/>
-    <p:sldId id="261" r:id="rId9"/>
-    <p:sldId id="284" r:id="rId10"/>
-    <p:sldId id="263" r:id="rId11"/>
-    <p:sldId id="264" r:id="rId12"/>
-    <p:sldId id="265" r:id="rId13"/>
-    <p:sldId id="266" r:id="rId14"/>
-    <p:sldId id="267" r:id="rId15"/>
-    <p:sldId id="268" r:id="rId16"/>
-    <p:sldId id="269" r:id="rId17"/>
-    <p:sldId id="270" r:id="rId18"/>
-    <p:sldId id="271" r:id="rId19"/>
-    <p:sldId id="272" r:id="rId20"/>
-    <p:sldId id="277" r:id="rId21"/>
-    <p:sldId id="278" r:id="rId22"/>
-    <p:sldId id="280" r:id="rId23"/>
-    <p:sldId id="279" r:id="rId24"/>
-    <p:sldId id="281" r:id="rId25"/>
-    <p:sldId id="282" r:id="rId26"/>
+    <p:sldId id="285" r:id="rId2"/>
+    <p:sldId id="274" r:id="rId3"/>
+    <p:sldId id="256" r:id="rId4"/>
+    <p:sldId id="259" r:id="rId5"/>
+    <p:sldId id="262" r:id="rId6"/>
+    <p:sldId id="258" r:id="rId7"/>
+    <p:sldId id="283" r:id="rId8"/>
+    <p:sldId id="260" r:id="rId9"/>
+    <p:sldId id="261" r:id="rId10"/>
+    <p:sldId id="284" r:id="rId11"/>
+    <p:sldId id="263" r:id="rId12"/>
+    <p:sldId id="264" r:id="rId13"/>
+    <p:sldId id="265" r:id="rId14"/>
+    <p:sldId id="266" r:id="rId15"/>
+    <p:sldId id="267" r:id="rId16"/>
+    <p:sldId id="268" r:id="rId17"/>
+    <p:sldId id="269" r:id="rId18"/>
+    <p:sldId id="270" r:id="rId19"/>
+    <p:sldId id="271" r:id="rId20"/>
+    <p:sldId id="272" r:id="rId21"/>
+    <p:sldId id="277" r:id="rId22"/>
+    <p:sldId id="278" r:id="rId23"/>
+    <p:sldId id="280" r:id="rId24"/>
+    <p:sldId id="279" r:id="rId25"/>
+    <p:sldId id="281" r:id="rId26"/>
+    <p:sldId id="282" r:id="rId27"/>
   </p:sldIdLst>
   <p:sldSz cx="12192000" cy="6858000"/>
   <p:notesSz cx="6858000" cy="9144000"/>
@@ -128,6 +129,11 @@
       </a:defRPr>
     </a:lvl9pPr>
   </p:defaultTextStyle>
+  <p:extLst>
+    <p:ext uri="{EFAFB233-063F-42B5-8137-9DF3F51BA10A}">
+      <p15:sldGuideLst xmlns:p15="http://schemas.microsoft.com/office/powerpoint/2012/main"/>
+    </p:ext>
+  </p:extLst>
 </p:presentation>
 </file>
 
@@ -278,7 +284,7 @@
           <a:p>
             <a:fld id="{CEE79A3C-486C-4BE8-B9A8-53978555FFD5}" type="datetimeFigureOut">
               <a:rPr lang="en-US" smtClean="0"/>
-              <a:t>12/12/2018</a:t>
+              <a:t>12/13/2018</a:t>
             </a:fld>
             <a:endParaRPr lang="en-US"/>
           </a:p>
@@ -476,7 +482,7 @@
           <a:p>
             <a:fld id="{CEE79A3C-486C-4BE8-B9A8-53978555FFD5}" type="datetimeFigureOut">
               <a:rPr lang="en-US" smtClean="0"/>
-              <a:t>12/12/2018</a:t>
+              <a:t>12/13/2018</a:t>
             </a:fld>
             <a:endParaRPr lang="en-US"/>
           </a:p>
@@ -684,7 +690,7 @@
           <a:p>
             <a:fld id="{CEE79A3C-486C-4BE8-B9A8-53978555FFD5}" type="datetimeFigureOut">
               <a:rPr lang="en-US" smtClean="0"/>
-              <a:t>12/12/2018</a:t>
+              <a:t>12/13/2018</a:t>
             </a:fld>
             <a:endParaRPr lang="en-US"/>
           </a:p>
@@ -882,7 +888,7 @@
           <a:p>
             <a:fld id="{CEE79A3C-486C-4BE8-B9A8-53978555FFD5}" type="datetimeFigureOut">
               <a:rPr lang="en-US" smtClean="0"/>
-              <a:t>12/12/2018</a:t>
+              <a:t>12/13/2018</a:t>
             </a:fld>
             <a:endParaRPr lang="en-US"/>
           </a:p>
@@ -1157,7 +1163,7 @@
           <a:p>
             <a:fld id="{CEE79A3C-486C-4BE8-B9A8-53978555FFD5}" type="datetimeFigureOut">
               <a:rPr lang="en-US" smtClean="0"/>
-              <a:t>12/12/2018</a:t>
+              <a:t>12/13/2018</a:t>
             </a:fld>
             <a:endParaRPr lang="en-US"/>
           </a:p>
@@ -1422,7 +1428,7 @@
           <a:p>
             <a:fld id="{CEE79A3C-486C-4BE8-B9A8-53978555FFD5}" type="datetimeFigureOut">
               <a:rPr lang="en-US" smtClean="0"/>
-              <a:t>12/12/2018</a:t>
+              <a:t>12/13/2018</a:t>
             </a:fld>
             <a:endParaRPr lang="en-US"/>
           </a:p>
@@ -1834,7 +1840,7 @@
           <a:p>
             <a:fld id="{CEE79A3C-486C-4BE8-B9A8-53978555FFD5}" type="datetimeFigureOut">
               <a:rPr lang="en-US" smtClean="0"/>
-              <a:t>12/12/2018</a:t>
+              <a:t>12/13/2018</a:t>
             </a:fld>
             <a:endParaRPr lang="en-US"/>
           </a:p>
@@ -1975,7 +1981,7 @@
           <a:p>
             <a:fld id="{CEE79A3C-486C-4BE8-B9A8-53978555FFD5}" type="datetimeFigureOut">
               <a:rPr lang="en-US" smtClean="0"/>
-              <a:t>12/12/2018</a:t>
+              <a:t>12/13/2018</a:t>
             </a:fld>
             <a:endParaRPr lang="en-US"/>
           </a:p>
@@ -2088,7 +2094,7 @@
           <a:p>
             <a:fld id="{CEE79A3C-486C-4BE8-B9A8-53978555FFD5}" type="datetimeFigureOut">
               <a:rPr lang="en-US" smtClean="0"/>
-              <a:t>12/12/2018</a:t>
+              <a:t>12/13/2018</a:t>
             </a:fld>
             <a:endParaRPr lang="en-US"/>
           </a:p>
@@ -2399,7 +2405,7 @@
           <a:p>
             <a:fld id="{CEE79A3C-486C-4BE8-B9A8-53978555FFD5}" type="datetimeFigureOut">
               <a:rPr lang="en-US" smtClean="0"/>
-              <a:t>12/12/2018</a:t>
+              <a:t>12/13/2018</a:t>
             </a:fld>
             <a:endParaRPr lang="en-US"/>
           </a:p>
@@ -2687,7 +2693,7 @@
           <a:p>
             <a:fld id="{CEE79A3C-486C-4BE8-B9A8-53978555FFD5}" type="datetimeFigureOut">
               <a:rPr lang="en-US" smtClean="0"/>
-              <a:t>12/12/2018</a:t>
+              <a:t>12/13/2018</a:t>
             </a:fld>
             <a:endParaRPr lang="en-US"/>
           </a:p>
@@ -2928,7 +2934,7 @@
           <a:p>
             <a:fld id="{CEE79A3C-486C-4BE8-B9A8-53978555FFD5}" type="datetimeFigureOut">
               <a:rPr lang="en-US" smtClean="0"/>
-              <a:t>12/12/2018</a:t>
+              <a:t>12/13/2018</a:t>
             </a:fld>
             <a:endParaRPr lang="en-US"/>
           </a:p>
@@ -3362,124 +3368,10 @@
           <a:chExt cx="0" cy="0"/>
         </a:xfrm>
       </p:grpSpPr>
-      <p:sp>
-        <p:nvSpPr>
-          <p:cNvPr id="2" name="Title 1">
-            <a:extLst>
-              <a:ext uri="{FF2B5EF4-FFF2-40B4-BE49-F238E27FC236}">
-                <a16:creationId xmlns:a16="http://schemas.microsoft.com/office/drawing/2014/main" id="{953E07B7-A99F-485C-9A04-F09C6580987F}"/>
-              </a:ext>
-            </a:extLst>
-          </p:cNvPr>
-          <p:cNvSpPr>
-            <a:spLocks noGrp="1"/>
-          </p:cNvSpPr>
-          <p:nvPr>
-            <p:ph type="ctrTitle"/>
-          </p:nvPr>
-        </p:nvSpPr>
-        <p:spPr>
-          <a:xfrm>
-            <a:off x="1524000" y="877184"/>
-            <a:ext cx="9144000" cy="1446032"/>
-          </a:xfrm>
-        </p:spPr>
-        <p:txBody>
-          <a:bodyPr>
-            <a:normAutofit/>
-          </a:bodyPr>
-          <a:lstStyle/>
-          <a:p>
-            <a:r>
-              <a:rPr lang="en-US" sz="8000" dirty="0"/>
-              <a:t>Gilligan’s Coconut TV</a:t>
-            </a:r>
-          </a:p>
-        </p:txBody>
-      </p:sp>
-      <p:sp>
-        <p:nvSpPr>
-          <p:cNvPr id="3" name="Subtitle 2">
-            <a:extLst>
-              <a:ext uri="{FF2B5EF4-FFF2-40B4-BE49-F238E27FC236}">
-                <a16:creationId xmlns:a16="http://schemas.microsoft.com/office/drawing/2014/main" id="{C77A5571-7207-4935-917C-6A68B17CCF9F}"/>
-              </a:ext>
-            </a:extLst>
-          </p:cNvPr>
-          <p:cNvSpPr>
-            <a:spLocks noGrp="1"/>
-          </p:cNvSpPr>
-          <p:nvPr>
-            <p:ph type="subTitle" idx="1"/>
-          </p:nvPr>
-        </p:nvSpPr>
-        <p:spPr>
-          <a:xfrm>
-            <a:off x="1524000" y="4223656"/>
-            <a:ext cx="9144000" cy="1034143"/>
-          </a:xfrm>
-        </p:spPr>
-        <p:txBody>
-          <a:bodyPr numCol="2">
-            <a:normAutofit fontScale="85000" lnSpcReduction="20000"/>
-          </a:bodyPr>
-          <a:lstStyle/>
-          <a:p>
-            <a:pPr marL="342900" indent="-342900" algn="l">
-              <a:buFont typeface="Arial" panose="020B0604020202020204" pitchFamily="34" charset="0"/>
-              <a:buChar char="•"/>
-            </a:pPr>
-            <a:r>
-              <a:rPr lang="en-US" dirty="0"/>
-              <a:t>Jose Rodriguez</a:t>
-            </a:r>
-          </a:p>
-          <a:p>
-            <a:pPr marL="342900" indent="-342900" algn="l">
-              <a:buFont typeface="Arial" panose="020B0604020202020204" pitchFamily="34" charset="0"/>
-              <a:buChar char="•"/>
-            </a:pPr>
-            <a:r>
-              <a:rPr lang="en-US" dirty="0"/>
-              <a:t>Justas Vikonis</a:t>
-            </a:r>
-          </a:p>
-          <a:p>
-            <a:pPr marL="342900" indent="-342900" algn="l">
-              <a:buFont typeface="Arial" panose="020B0604020202020204" pitchFamily="34" charset="0"/>
-              <a:buChar char="•"/>
-            </a:pPr>
-            <a:r>
-              <a:rPr lang="en-US" dirty="0"/>
-              <a:t>Fredrick Birr</a:t>
-            </a:r>
-          </a:p>
-          <a:p>
-            <a:pPr marL="342900" indent="-342900" algn="l">
-              <a:buFont typeface="Arial" panose="020B0604020202020204" pitchFamily="34" charset="0"/>
-              <a:buChar char="•"/>
-            </a:pPr>
-            <a:r>
-              <a:rPr lang="en-US" dirty="0"/>
-              <a:t>Shayne Bloom</a:t>
-            </a:r>
-          </a:p>
-          <a:p>
-            <a:pPr marL="342900" indent="-342900" algn="l">
-              <a:buFont typeface="Arial" panose="020B0604020202020204" pitchFamily="34" charset="0"/>
-              <a:buChar char="•"/>
-            </a:pPr>
-            <a:r>
-              <a:rPr lang="en-US" dirty="0"/>
-              <a:t>Khaja Ameenuddin</a:t>
-            </a:r>
-          </a:p>
-        </p:txBody>
-      </p:sp>
     </p:spTree>
     <p:extLst>
       <p:ext uri="{BB962C8B-B14F-4D97-AF65-F5344CB8AC3E}">
-        <p14:creationId xmlns:p14="http://schemas.microsoft.com/office/powerpoint/2010/main" val="3767738535"/>
+        <p14:creationId xmlns:p14="http://schemas.microsoft.com/office/powerpoint/2010/main" val="3143531817"/>
       </p:ext>
     </p:extLst>
   </p:cSld>
@@ -3490,6 +3382,66 @@
 </file>
 
 <file path=ppt/slides/slide10.xml><?xml version="1.0" encoding="utf-8"?>
+<p:sld xmlns:a="http://schemas.openxmlformats.org/drawingml/2006/main" xmlns:r="http://schemas.openxmlformats.org/officeDocument/2006/relationships" xmlns:p="http://schemas.openxmlformats.org/presentationml/2006/main">
+  <p:cSld>
+    <p:spTree>
+      <p:nvGrpSpPr>
+        <p:cNvPr id="1" name=""/>
+        <p:cNvGrpSpPr/>
+        <p:nvPr/>
+      </p:nvGrpSpPr>
+      <p:grpSpPr>
+        <a:xfrm>
+          <a:off x="0" y="0"/>
+          <a:ext cx="0" cy="0"/>
+          <a:chOff x="0" y="0"/>
+          <a:chExt cx="0" cy="0"/>
+        </a:xfrm>
+      </p:grpSpPr>
+      <p:pic>
+        <p:nvPicPr>
+          <p:cNvPr id="2" name="Picture 1">
+            <a:extLst>
+              <a:ext uri="{FF2B5EF4-FFF2-40B4-BE49-F238E27FC236}">
+                <a16:creationId xmlns:a16="http://schemas.microsoft.com/office/drawing/2014/main" id="{B0D7171A-92BF-48A5-A53B-D7A9A13D00D9}"/>
+              </a:ext>
+            </a:extLst>
+          </p:cNvPr>
+          <p:cNvPicPr>
+            <a:picLocks noChangeAspect="1"/>
+          </p:cNvPicPr>
+          <p:nvPr/>
+        </p:nvPicPr>
+        <p:blipFill>
+          <a:blip r:embed="rId2"/>
+          <a:stretch>
+            <a:fillRect/>
+          </a:stretch>
+        </p:blipFill>
+        <p:spPr>
+          <a:xfrm>
+            <a:off x="0" y="0"/>
+            <a:ext cx="12192000" cy="6858000"/>
+          </a:xfrm>
+          <a:prstGeom prst="rect">
+            <a:avLst/>
+          </a:prstGeom>
+        </p:spPr>
+      </p:pic>
+    </p:spTree>
+    <p:extLst>
+      <p:ext uri="{BB962C8B-B14F-4D97-AF65-F5344CB8AC3E}">
+        <p14:creationId xmlns:p14="http://schemas.microsoft.com/office/powerpoint/2010/main" val="3365396473"/>
+      </p:ext>
+    </p:extLst>
+  </p:cSld>
+  <p:clrMapOvr>
+    <a:masterClrMapping/>
+  </p:clrMapOvr>
+</p:sld>
+</file>
+
+<file path=ppt/slides/slide11.xml><?xml version="1.0" encoding="utf-8"?>
 <p:sld xmlns:a="http://schemas.openxmlformats.org/drawingml/2006/main" xmlns:r="http://schemas.openxmlformats.org/officeDocument/2006/relationships" xmlns:p="http://schemas.openxmlformats.org/presentationml/2006/main">
   <p:cSld>
     <p:spTree>
@@ -3549,7 +3501,7 @@
 </p:sld>
 </file>
 
-<file path=ppt/slides/slide11.xml><?xml version="1.0" encoding="utf-8"?>
+<file path=ppt/slides/slide12.xml><?xml version="1.0" encoding="utf-8"?>
 <p:sld xmlns:a="http://schemas.openxmlformats.org/drawingml/2006/main" xmlns:r="http://schemas.openxmlformats.org/officeDocument/2006/relationships" xmlns:p="http://schemas.openxmlformats.org/presentationml/2006/main">
   <p:cSld>
     <p:spTree>
@@ -3609,7 +3561,7 @@
 </p:sld>
 </file>
 
-<file path=ppt/slides/slide12.xml><?xml version="1.0" encoding="utf-8"?>
+<file path=ppt/slides/slide13.xml><?xml version="1.0" encoding="utf-8"?>
 <p:sld xmlns:a="http://schemas.openxmlformats.org/drawingml/2006/main" xmlns:r="http://schemas.openxmlformats.org/officeDocument/2006/relationships" xmlns:p="http://schemas.openxmlformats.org/presentationml/2006/main">
   <p:cSld>
     <p:spTree>
@@ -3669,7 +3621,7 @@
 </p:sld>
 </file>
 
-<file path=ppt/slides/slide13.xml><?xml version="1.0" encoding="utf-8"?>
+<file path=ppt/slides/slide14.xml><?xml version="1.0" encoding="utf-8"?>
 <p:sld xmlns:a="http://schemas.openxmlformats.org/drawingml/2006/main" xmlns:r="http://schemas.openxmlformats.org/officeDocument/2006/relationships" xmlns:p="http://schemas.openxmlformats.org/presentationml/2006/main">
   <p:cSld>
     <p:spTree>
@@ -3729,7 +3681,7 @@
 </p:sld>
 </file>
 
-<file path=ppt/slides/slide14.xml><?xml version="1.0" encoding="utf-8"?>
+<file path=ppt/slides/slide15.xml><?xml version="1.0" encoding="utf-8"?>
 <p:sld xmlns:a="http://schemas.openxmlformats.org/drawingml/2006/main" xmlns:r="http://schemas.openxmlformats.org/officeDocument/2006/relationships" xmlns:p="http://schemas.openxmlformats.org/presentationml/2006/main">
   <p:cSld>
     <p:spTree>
@@ -3794,7 +3746,7 @@
 </p:sld>
 </file>
 
-<file path=ppt/slides/slide15.xml><?xml version="1.0" encoding="utf-8"?>
+<file path=ppt/slides/slide16.xml><?xml version="1.0" encoding="utf-8"?>
 <p:sld xmlns:a="http://schemas.openxmlformats.org/drawingml/2006/main" xmlns:r="http://schemas.openxmlformats.org/officeDocument/2006/relationships" xmlns:p="http://schemas.openxmlformats.org/presentationml/2006/main">
   <p:cSld>
     <p:bg>
@@ -3894,7 +3846,7 @@
 </p:sld>
 </file>
 
-<file path=ppt/slides/slide16.xml><?xml version="1.0" encoding="utf-8"?>
+<file path=ppt/slides/slide17.xml><?xml version="1.0" encoding="utf-8"?>
 <p:sld xmlns:a="http://schemas.openxmlformats.org/drawingml/2006/main" xmlns:r="http://schemas.openxmlformats.org/officeDocument/2006/relationships" xmlns:p="http://schemas.openxmlformats.org/presentationml/2006/main">
   <p:cSld>
     <p:spTree>
@@ -3954,7 +3906,7 @@
 </p:sld>
 </file>
 
-<file path=ppt/slides/slide17.xml><?xml version="1.0" encoding="utf-8"?>
+<file path=ppt/slides/slide18.xml><?xml version="1.0" encoding="utf-8"?>
 <p:sld xmlns:a="http://schemas.openxmlformats.org/drawingml/2006/main" xmlns:r="http://schemas.openxmlformats.org/officeDocument/2006/relationships" xmlns:p="http://schemas.openxmlformats.org/presentationml/2006/main">
   <p:cSld>
     <p:spTree>
@@ -4014,7 +3966,7 @@
 </p:sld>
 </file>
 
-<file path=ppt/slides/slide18.xml><?xml version="1.0" encoding="utf-8"?>
+<file path=ppt/slides/slide19.xml><?xml version="1.0" encoding="utf-8"?>
 <p:sld xmlns:a="http://schemas.openxmlformats.org/drawingml/2006/main" xmlns:r="http://schemas.openxmlformats.org/officeDocument/2006/relationships" xmlns:p="http://schemas.openxmlformats.org/presentationml/2006/main">
   <p:cSld>
     <p:spTree>
@@ -4074,7 +4026,168 @@
 </p:sld>
 </file>
 
-<file path=ppt/slides/slide19.xml><?xml version="1.0" encoding="utf-8"?>
+<file path=ppt/slides/slide2.xml><?xml version="1.0" encoding="utf-8"?>
+<p:sld xmlns:a="http://schemas.openxmlformats.org/drawingml/2006/main" xmlns:r="http://schemas.openxmlformats.org/officeDocument/2006/relationships" xmlns:p="http://schemas.openxmlformats.org/presentationml/2006/main">
+  <p:cSld>
+    <p:bg>
+      <p:bgPr>
+        <a:gradFill flip="none" rotWithShape="1">
+          <a:gsLst>
+            <a:gs pos="0">
+              <a:srgbClr val="FF0B0B"/>
+            </a:gs>
+            <a:gs pos="73000">
+              <a:schemeClr val="bg1"/>
+            </a:gs>
+          </a:gsLst>
+          <a:lin ang="5400000" scaled="1"/>
+          <a:tileRect/>
+        </a:gradFill>
+        <a:effectLst/>
+      </p:bgPr>
+    </p:bg>
+    <p:spTree>
+      <p:nvGrpSpPr>
+        <p:cNvPr id="1" name=""/>
+        <p:cNvGrpSpPr/>
+        <p:nvPr/>
+      </p:nvGrpSpPr>
+      <p:grpSpPr>
+        <a:xfrm>
+          <a:off x="0" y="0"/>
+          <a:ext cx="0" cy="0"/>
+          <a:chOff x="0" y="0"/>
+          <a:chExt cx="0" cy="0"/>
+        </a:xfrm>
+      </p:grpSpPr>
+      <p:sp>
+        <p:nvSpPr>
+          <p:cNvPr id="2" name="Title 1">
+            <a:extLst>
+              <a:ext uri="{FF2B5EF4-FFF2-40B4-BE49-F238E27FC236}">
+                <a16:creationId xmlns:a16="http://schemas.microsoft.com/office/drawing/2014/main" id="{953E07B7-A99F-485C-9A04-F09C6580987F}"/>
+              </a:ext>
+            </a:extLst>
+          </p:cNvPr>
+          <p:cNvSpPr>
+            <a:spLocks noGrp="1"/>
+          </p:cNvSpPr>
+          <p:nvPr>
+            <p:ph type="ctrTitle"/>
+          </p:nvPr>
+        </p:nvSpPr>
+        <p:spPr>
+          <a:xfrm>
+            <a:off x="1524000" y="877184"/>
+            <a:ext cx="9144000" cy="1446032"/>
+          </a:xfrm>
+        </p:spPr>
+        <p:txBody>
+          <a:bodyPr>
+            <a:normAutofit/>
+          </a:bodyPr>
+          <a:lstStyle/>
+          <a:p>
+            <a:r>
+              <a:rPr lang="en-US" sz="8000" dirty="0"/>
+              <a:t>Gilligan’s Coconut TV</a:t>
+            </a:r>
+          </a:p>
+        </p:txBody>
+      </p:sp>
+      <p:sp>
+        <p:nvSpPr>
+          <p:cNvPr id="3" name="Subtitle 2">
+            <a:extLst>
+              <a:ext uri="{FF2B5EF4-FFF2-40B4-BE49-F238E27FC236}">
+                <a16:creationId xmlns:a16="http://schemas.microsoft.com/office/drawing/2014/main" id="{C77A5571-7207-4935-917C-6A68B17CCF9F}"/>
+              </a:ext>
+            </a:extLst>
+          </p:cNvPr>
+          <p:cNvSpPr>
+            <a:spLocks noGrp="1"/>
+          </p:cNvSpPr>
+          <p:nvPr>
+            <p:ph type="subTitle" idx="1"/>
+          </p:nvPr>
+        </p:nvSpPr>
+        <p:spPr>
+          <a:xfrm>
+            <a:off x="1524000" y="4223656"/>
+            <a:ext cx="9144000" cy="1034143"/>
+          </a:xfrm>
+        </p:spPr>
+        <p:txBody>
+          <a:bodyPr numCol="2">
+            <a:normAutofit fontScale="85000" lnSpcReduction="20000"/>
+          </a:bodyPr>
+          <a:lstStyle/>
+          <a:p>
+            <a:pPr marL="342900" indent="-342900" algn="l">
+              <a:buFont typeface="Arial" panose="020B0604020202020204" pitchFamily="34" charset="0"/>
+              <a:buChar char="•"/>
+            </a:pPr>
+            <a:r>
+              <a:rPr lang="en-US" dirty="0"/>
+              <a:t>Jose Rodriguez</a:t>
+            </a:r>
+          </a:p>
+          <a:p>
+            <a:pPr marL="342900" indent="-342900" algn="l">
+              <a:buFont typeface="Arial" panose="020B0604020202020204" pitchFamily="34" charset="0"/>
+              <a:buChar char="•"/>
+            </a:pPr>
+            <a:r>
+              <a:rPr lang="en-US" dirty="0"/>
+              <a:t>Justas Vikonis</a:t>
+            </a:r>
+          </a:p>
+          <a:p>
+            <a:pPr marL="342900" indent="-342900" algn="l">
+              <a:buFont typeface="Arial" panose="020B0604020202020204" pitchFamily="34" charset="0"/>
+              <a:buChar char="•"/>
+            </a:pPr>
+            <a:r>
+              <a:rPr lang="en-US" dirty="0"/>
+              <a:t>Fredrick Birr</a:t>
+            </a:r>
+          </a:p>
+          <a:p>
+            <a:pPr marL="342900" indent="-342900" algn="l">
+              <a:buFont typeface="Arial" panose="020B0604020202020204" pitchFamily="34" charset="0"/>
+              <a:buChar char="•"/>
+            </a:pPr>
+            <a:r>
+              <a:rPr lang="en-US" dirty="0"/>
+              <a:t>Shayne Bloom</a:t>
+            </a:r>
+          </a:p>
+          <a:p>
+            <a:pPr marL="342900" indent="-342900" algn="l">
+              <a:buFont typeface="Arial" panose="020B0604020202020204" pitchFamily="34" charset="0"/>
+              <a:buChar char="•"/>
+            </a:pPr>
+            <a:r>
+              <a:rPr lang="en-US" dirty="0"/>
+              <a:t>Khaja Ameenuddin</a:t>
+            </a:r>
+          </a:p>
+        </p:txBody>
+      </p:sp>
+    </p:spTree>
+    <p:extLst>
+      <p:ext uri="{BB962C8B-B14F-4D97-AF65-F5344CB8AC3E}">
+        <p14:creationId xmlns:p14="http://schemas.microsoft.com/office/powerpoint/2010/main" val="3767738535"/>
+      </p:ext>
+    </p:extLst>
+  </p:cSld>
+  <p:clrMapOvr>
+    <a:masterClrMapping/>
+  </p:clrMapOvr>
+</p:sld>
+</file>
+
+<file path=ppt/slides/slide20.xml><?xml version="1.0" encoding="utf-8"?>
 <p:sld xmlns:a="http://schemas.openxmlformats.org/drawingml/2006/main" xmlns:r="http://schemas.openxmlformats.org/officeDocument/2006/relationships" xmlns:p="http://schemas.openxmlformats.org/presentationml/2006/main">
   <p:cSld>
     <p:spTree>
@@ -4125,166 +4238,6 @@
     <p:extLst>
       <p:ext uri="{BB962C8B-B14F-4D97-AF65-F5344CB8AC3E}">
         <p14:creationId xmlns:p14="http://schemas.microsoft.com/office/powerpoint/2010/main" val="1785491822"/>
-      </p:ext>
-    </p:extLst>
-  </p:cSld>
-  <p:clrMapOvr>
-    <a:masterClrMapping/>
-  </p:clrMapOvr>
-</p:sld>
-</file>
-
-<file path=ppt/slides/slide2.xml><?xml version="1.0" encoding="utf-8"?>
-<p:sld xmlns:a="http://schemas.openxmlformats.org/drawingml/2006/main" xmlns:r="http://schemas.openxmlformats.org/officeDocument/2006/relationships" xmlns:p="http://schemas.openxmlformats.org/presentationml/2006/main">
-  <p:cSld>
-    <p:spTree>
-      <p:nvGrpSpPr>
-        <p:cNvPr id="1" name=""/>
-        <p:cNvGrpSpPr/>
-        <p:nvPr/>
-      </p:nvGrpSpPr>
-      <p:grpSpPr>
-        <a:xfrm>
-          <a:off x="0" y="0"/>
-          <a:ext cx="0" cy="0"/>
-          <a:chOff x="0" y="0"/>
-          <a:chExt cx="0" cy="0"/>
-        </a:xfrm>
-      </p:grpSpPr>
-      <p:pic>
-        <p:nvPicPr>
-          <p:cNvPr id="4" name="Picture 3">
-            <a:extLst>
-              <a:ext uri="{FF2B5EF4-FFF2-40B4-BE49-F238E27FC236}">
-                <a16:creationId xmlns:a16="http://schemas.microsoft.com/office/drawing/2014/main" id="{1C977B10-BA3C-4A60-BA83-F38A9A691495}"/>
-              </a:ext>
-            </a:extLst>
-          </p:cNvPr>
-          <p:cNvPicPr>
-            <a:picLocks noChangeAspect="1"/>
-          </p:cNvPicPr>
-          <p:nvPr/>
-        </p:nvPicPr>
-        <p:blipFill>
-          <a:blip r:embed="rId2"/>
-          <a:stretch>
-            <a:fillRect/>
-          </a:stretch>
-        </p:blipFill>
-        <p:spPr>
-          <a:xfrm>
-            <a:off x="0" y="0"/>
-            <a:ext cx="12192000" cy="6858000"/>
-          </a:xfrm>
-          <a:prstGeom prst="rect">
-            <a:avLst/>
-          </a:prstGeom>
-        </p:spPr>
-      </p:pic>
-    </p:spTree>
-    <p:extLst>
-      <p:ext uri="{BB962C8B-B14F-4D97-AF65-F5344CB8AC3E}">
-        <p14:creationId xmlns:p14="http://schemas.microsoft.com/office/powerpoint/2010/main" val="1248468223"/>
-      </p:ext>
-    </p:extLst>
-  </p:cSld>
-  <p:clrMapOvr>
-    <a:masterClrMapping/>
-  </p:clrMapOvr>
-</p:sld>
-</file>
-
-<file path=ppt/slides/slide20.xml><?xml version="1.0" encoding="utf-8"?>
-<p:sld xmlns:a="http://schemas.openxmlformats.org/drawingml/2006/main" xmlns:r="http://schemas.openxmlformats.org/officeDocument/2006/relationships" xmlns:p="http://schemas.openxmlformats.org/presentationml/2006/main">
-  <p:cSld>
-    <p:bg>
-      <p:bgPr>
-        <a:gradFill flip="none" rotWithShape="1">
-          <a:gsLst>
-            <a:gs pos="0">
-              <a:srgbClr val="FF0B0B"/>
-            </a:gs>
-            <a:gs pos="70000">
-              <a:schemeClr val="bg1"/>
-            </a:gs>
-          </a:gsLst>
-          <a:lin ang="5400000" scaled="1"/>
-          <a:tileRect/>
-        </a:gradFill>
-        <a:effectLst/>
-      </p:bgPr>
-    </p:bg>
-    <p:spTree>
-      <p:nvGrpSpPr>
-        <p:cNvPr id="1" name=""/>
-        <p:cNvGrpSpPr/>
-        <p:nvPr/>
-      </p:nvGrpSpPr>
-      <p:grpSpPr>
-        <a:xfrm>
-          <a:off x="0" y="0"/>
-          <a:ext cx="0" cy="0"/>
-          <a:chOff x="0" y="0"/>
-          <a:chExt cx="0" cy="0"/>
-        </a:xfrm>
-      </p:grpSpPr>
-      <p:sp>
-        <p:nvSpPr>
-          <p:cNvPr id="2" name="Title 1">
-            <a:extLst>
-              <a:ext uri="{FF2B5EF4-FFF2-40B4-BE49-F238E27FC236}">
-                <a16:creationId xmlns:a16="http://schemas.microsoft.com/office/drawing/2014/main" id="{953E07B7-A99F-485C-9A04-F09C6580987F}"/>
-              </a:ext>
-            </a:extLst>
-          </p:cNvPr>
-          <p:cNvSpPr>
-            <a:spLocks noGrp="1"/>
-          </p:cNvSpPr>
-          <p:nvPr>
-            <p:ph type="ctrTitle"/>
-          </p:nvPr>
-        </p:nvSpPr>
-        <p:spPr/>
-        <p:txBody>
-          <a:bodyPr/>
-          <a:lstStyle/>
-          <a:p>
-            <a:r>
-              <a:rPr lang="en-US" dirty="0"/>
-              <a:t>Live Demo</a:t>
-            </a:r>
-          </a:p>
-        </p:txBody>
-      </p:sp>
-      <p:sp>
-        <p:nvSpPr>
-          <p:cNvPr id="3" name="Subtitle 2">
-            <a:extLst>
-              <a:ext uri="{FF2B5EF4-FFF2-40B4-BE49-F238E27FC236}">
-                <a16:creationId xmlns:a16="http://schemas.microsoft.com/office/drawing/2014/main" id="{C77A5571-7207-4935-917C-6A68B17CCF9F}"/>
-              </a:ext>
-            </a:extLst>
-          </p:cNvPr>
-          <p:cNvSpPr>
-            <a:spLocks noGrp="1"/>
-          </p:cNvSpPr>
-          <p:nvPr>
-            <p:ph type="subTitle" idx="1"/>
-          </p:nvPr>
-        </p:nvSpPr>
-        <p:spPr/>
-        <p:txBody>
-          <a:bodyPr/>
-          <a:lstStyle/>
-          <a:p>
-            <a:endParaRPr lang="en-US"/>
-          </a:p>
-        </p:txBody>
-      </p:sp>
-    </p:spTree>
-    <p:extLst>
-      <p:ext uri="{BB962C8B-B14F-4D97-AF65-F5344CB8AC3E}">
-        <p14:creationId xmlns:p14="http://schemas.microsoft.com/office/powerpoint/2010/main" val="3370956475"/>
       </p:ext>
     </p:extLst>
   </p:cSld>
@@ -4344,19 +4297,14 @@
             <p:ph type="ctrTitle"/>
           </p:nvPr>
         </p:nvSpPr>
-        <p:spPr>
-          <a:xfrm>
-            <a:off x="1524000" y="2036763"/>
-            <a:ext cx="9144000" cy="2422026"/>
-          </a:xfrm>
-        </p:spPr>
+        <p:spPr/>
         <p:txBody>
           <a:bodyPr/>
           <a:lstStyle/>
           <a:p>
             <a:r>
               <a:rPr lang="en-US" dirty="0"/>
-              <a:t>Subscriber Editing Account Information</a:t>
+              <a:t>Live Demo</a:t>
             </a:r>
           </a:p>
         </p:txBody>
@@ -4377,29 +4325,19 @@
             <p:ph type="subTitle" idx="1"/>
           </p:nvPr>
         </p:nvSpPr>
-        <p:spPr>
-          <a:xfrm>
-            <a:off x="1524000" y="1881050"/>
-            <a:ext cx="9144000" cy="398419"/>
-          </a:xfrm>
-        </p:spPr>
-        <p:txBody>
-          <a:bodyPr>
-            <a:normAutofit lnSpcReduction="10000"/>
-          </a:bodyPr>
-          <a:lstStyle/>
-          <a:p>
-            <a:r>
-              <a:rPr lang="en-US" dirty="0"/>
-              <a:t>Scenario 1</a:t>
-            </a:r>
+        <p:spPr/>
+        <p:txBody>
+          <a:bodyPr/>
+          <a:lstStyle/>
+          <a:p>
+            <a:endParaRPr lang="en-US"/>
           </a:p>
         </p:txBody>
       </p:sp>
     </p:spTree>
     <p:extLst>
       <p:ext uri="{BB962C8B-B14F-4D97-AF65-F5344CB8AC3E}">
-        <p14:creationId xmlns:p14="http://schemas.microsoft.com/office/powerpoint/2010/main" val="2101277284"/>
+        <p14:creationId xmlns:p14="http://schemas.microsoft.com/office/powerpoint/2010/main" val="3370956475"/>
       </p:ext>
     </p:extLst>
   </p:cSld>
@@ -4471,7 +4409,7 @@
           <a:p>
             <a:r>
               <a:rPr lang="en-US" dirty="0"/>
-              <a:t>Prospective Customer Browsing the Site</a:t>
+              <a:t>Subscriber Editing Account Information</a:t>
             </a:r>
           </a:p>
         </p:txBody>
@@ -4506,7 +4444,7 @@
           <a:p>
             <a:r>
               <a:rPr lang="en-US" dirty="0"/>
-              <a:t>Scenario 2</a:t>
+              <a:t>Scenario 1</a:t>
             </a:r>
           </a:p>
         </p:txBody>
@@ -4514,7 +4452,7 @@
     </p:spTree>
     <p:extLst>
       <p:ext uri="{BB962C8B-B14F-4D97-AF65-F5344CB8AC3E}">
-        <p14:creationId xmlns:p14="http://schemas.microsoft.com/office/powerpoint/2010/main" val="1326961533"/>
+        <p14:creationId xmlns:p14="http://schemas.microsoft.com/office/powerpoint/2010/main" val="2101277284"/>
       </p:ext>
     </p:extLst>
   </p:cSld>
@@ -4586,7 +4524,7 @@
           <a:p>
             <a:r>
               <a:rPr lang="en-US" dirty="0"/>
-              <a:t>New Customer Signing Up</a:t>
+              <a:t>Prospective Customer Browsing the Site</a:t>
             </a:r>
           </a:p>
         </p:txBody>
@@ -4621,7 +4559,7 @@
           <a:p>
             <a:r>
               <a:rPr lang="en-US" dirty="0"/>
-              <a:t>Scenario 3</a:t>
+              <a:t>Scenario 2</a:t>
             </a:r>
           </a:p>
         </p:txBody>
@@ -4629,7 +4567,7 @@
     </p:spTree>
     <p:extLst>
       <p:ext uri="{BB962C8B-B14F-4D97-AF65-F5344CB8AC3E}">
-        <p14:creationId xmlns:p14="http://schemas.microsoft.com/office/powerpoint/2010/main" val="3291395366"/>
+        <p14:creationId xmlns:p14="http://schemas.microsoft.com/office/powerpoint/2010/main" val="1326961533"/>
       </p:ext>
     </p:extLst>
   </p:cSld>
@@ -4675,34 +4613,68 @@
       </p:grpSpPr>
       <p:sp>
         <p:nvSpPr>
-          <p:cNvPr id="8" name="Title 7">
-            <a:extLst>
-              <a:ext uri="{FF2B5EF4-FFF2-40B4-BE49-F238E27FC236}">
-                <a16:creationId xmlns:a16="http://schemas.microsoft.com/office/drawing/2014/main" id="{CA1AF04D-CF10-409D-86FE-B7A5D7423B01}"/>
-              </a:ext>
-            </a:extLst>
-          </p:cNvPr>
-          <p:cNvSpPr>
-            <a:spLocks noGrp="1"/>
-          </p:cNvSpPr>
-          <p:nvPr>
-            <p:ph type="title"/>
+          <p:cNvPr id="2" name="Title 1">
+            <a:extLst>
+              <a:ext uri="{FF2B5EF4-FFF2-40B4-BE49-F238E27FC236}">
+                <a16:creationId xmlns:a16="http://schemas.microsoft.com/office/drawing/2014/main" id="{953E07B7-A99F-485C-9A04-F09C6580987F}"/>
+              </a:ext>
+            </a:extLst>
+          </p:cNvPr>
+          <p:cNvSpPr>
+            <a:spLocks noGrp="1"/>
+          </p:cNvSpPr>
+          <p:nvPr>
+            <p:ph type="ctrTitle"/>
           </p:nvPr>
         </p:nvSpPr>
         <p:spPr>
           <a:xfrm>
-            <a:off x="838200" y="2200457"/>
-            <a:ext cx="10515600" cy="1325563"/>
+            <a:off x="1524000" y="2036763"/>
+            <a:ext cx="9144000" cy="2422026"/>
           </a:xfrm>
         </p:spPr>
         <p:txBody>
           <a:bodyPr/>
           <a:lstStyle/>
           <a:p>
-            <a:pPr algn="ctr"/>
             <a:r>
               <a:rPr lang="en-US" dirty="0"/>
-              <a:t>Site Map</a:t>
+              <a:t>New Customer Signing Up</a:t>
+            </a:r>
+          </a:p>
+        </p:txBody>
+      </p:sp>
+      <p:sp>
+        <p:nvSpPr>
+          <p:cNvPr id="3" name="Subtitle 2">
+            <a:extLst>
+              <a:ext uri="{FF2B5EF4-FFF2-40B4-BE49-F238E27FC236}">
+                <a16:creationId xmlns:a16="http://schemas.microsoft.com/office/drawing/2014/main" id="{C77A5571-7207-4935-917C-6A68B17CCF9F}"/>
+              </a:ext>
+            </a:extLst>
+          </p:cNvPr>
+          <p:cNvSpPr>
+            <a:spLocks noGrp="1"/>
+          </p:cNvSpPr>
+          <p:nvPr>
+            <p:ph type="subTitle" idx="1"/>
+          </p:nvPr>
+        </p:nvSpPr>
+        <p:spPr>
+          <a:xfrm>
+            <a:off x="1524000" y="1881050"/>
+            <a:ext cx="9144000" cy="398419"/>
+          </a:xfrm>
+        </p:spPr>
+        <p:txBody>
+          <a:bodyPr>
+            <a:normAutofit lnSpcReduction="10000"/>
+          </a:bodyPr>
+          <a:lstStyle/>
+          <a:p>
+            <a:r>
+              <a:rPr lang="en-US" dirty="0"/>
+              <a:t>Scenario 3</a:t>
             </a:r>
           </a:p>
         </p:txBody>
@@ -4710,7 +4682,7 @@
     </p:spTree>
     <p:extLst>
       <p:ext uri="{BB962C8B-B14F-4D97-AF65-F5344CB8AC3E}">
-        <p14:creationId xmlns:p14="http://schemas.microsoft.com/office/powerpoint/2010/main" val="3083700866"/>
+        <p14:creationId xmlns:p14="http://schemas.microsoft.com/office/powerpoint/2010/main" val="3291395366"/>
       </p:ext>
     </p:extLst>
   </p:cSld>
@@ -4756,29 +4728,121 @@
       </p:grpSpPr>
       <p:sp>
         <p:nvSpPr>
-          <p:cNvPr id="7" name="Subtitle 6">
-            <a:extLst>
-              <a:ext uri="{FF2B5EF4-FFF2-40B4-BE49-F238E27FC236}">
-                <a16:creationId xmlns:a16="http://schemas.microsoft.com/office/drawing/2014/main" id="{04B92839-A796-42E4-B274-A42FF4B2F4F6}"/>
-              </a:ext>
-            </a:extLst>
-          </p:cNvPr>
-          <p:cNvSpPr>
-            <a:spLocks noGrp="1"/>
-          </p:cNvSpPr>
-          <p:nvPr>
-            <p:ph type="subTitle" idx="1"/>
-          </p:nvPr>
-        </p:nvSpPr>
-        <p:spPr/>
+          <p:cNvPr id="8" name="Title 7">
+            <a:extLst>
+              <a:ext uri="{FF2B5EF4-FFF2-40B4-BE49-F238E27FC236}">
+                <a16:creationId xmlns:a16="http://schemas.microsoft.com/office/drawing/2014/main" id="{CA1AF04D-CF10-409D-86FE-B7A5D7423B01}"/>
+              </a:ext>
+            </a:extLst>
+          </p:cNvPr>
+          <p:cNvSpPr>
+            <a:spLocks noGrp="1"/>
+          </p:cNvSpPr>
+          <p:nvPr>
+            <p:ph type="title"/>
+          </p:nvPr>
+        </p:nvSpPr>
+        <p:spPr>
+          <a:xfrm>
+            <a:off x="838200" y="2200457"/>
+            <a:ext cx="10515600" cy="1325563"/>
+          </a:xfrm>
+        </p:spPr>
         <p:txBody>
           <a:bodyPr/>
           <a:lstStyle/>
           <a:p>
-            <a:endParaRPr lang="en-US"/>
-          </a:p>
-        </p:txBody>
-      </p:sp>
+            <a:pPr algn="ctr"/>
+            <a:r>
+              <a:rPr lang="en-US" dirty="0"/>
+              <a:t>Site Map</a:t>
+            </a:r>
+          </a:p>
+        </p:txBody>
+      </p:sp>
+    </p:spTree>
+    <p:extLst>
+      <p:ext uri="{BB962C8B-B14F-4D97-AF65-F5344CB8AC3E}">
+        <p14:creationId xmlns:p14="http://schemas.microsoft.com/office/powerpoint/2010/main" val="3083700866"/>
+      </p:ext>
+    </p:extLst>
+  </p:cSld>
+  <p:clrMapOvr>
+    <a:masterClrMapping/>
+  </p:clrMapOvr>
+</p:sld>
+</file>
+
+<file path=ppt/slides/slide26.xml><?xml version="1.0" encoding="utf-8"?>
+<p:sld xmlns:a="http://schemas.openxmlformats.org/drawingml/2006/main" xmlns:r="http://schemas.openxmlformats.org/officeDocument/2006/relationships" xmlns:p="http://schemas.openxmlformats.org/presentationml/2006/main">
+  <p:cSld>
+    <p:bg>
+      <p:bgPr>
+        <a:gradFill flip="none" rotWithShape="1">
+          <a:gsLst>
+            <a:gs pos="0">
+              <a:srgbClr val="FF0B0B"/>
+            </a:gs>
+            <a:gs pos="70000">
+              <a:schemeClr val="bg1"/>
+            </a:gs>
+          </a:gsLst>
+          <a:lin ang="5400000" scaled="1"/>
+          <a:tileRect/>
+        </a:gradFill>
+        <a:effectLst/>
+      </p:bgPr>
+    </p:bg>
+    <p:spTree>
+      <p:nvGrpSpPr>
+        <p:cNvPr id="1" name=""/>
+        <p:cNvGrpSpPr/>
+        <p:nvPr/>
+      </p:nvGrpSpPr>
+      <p:grpSpPr>
+        <a:xfrm>
+          <a:off x="0" y="0"/>
+          <a:ext cx="0" cy="0"/>
+          <a:chOff x="0" y="0"/>
+          <a:chExt cx="0" cy="0"/>
+        </a:xfrm>
+      </p:grpSpPr>
+      <p:pic>
+        <p:nvPicPr>
+          <p:cNvPr id="3" name="Picture 2">
+            <a:extLst>
+              <a:ext uri="{FF2B5EF4-FFF2-40B4-BE49-F238E27FC236}">
+                <a16:creationId xmlns:a16="http://schemas.microsoft.com/office/drawing/2014/main" id="{23FE6738-6303-44AF-BAAE-462ECA82B54A}"/>
+              </a:ext>
+            </a:extLst>
+          </p:cNvPr>
+          <p:cNvPicPr>
+            <a:picLocks noChangeAspect="1"/>
+          </p:cNvPicPr>
+          <p:nvPr/>
+        </p:nvPicPr>
+        <p:blipFill>
+          <a:blip r:embed="rId2">
+            <a:extLst>
+              <a:ext uri="{28A0092B-C50C-407E-A947-70E740481C1C}">
+                <a14:useLocalDpi xmlns:a14="http://schemas.microsoft.com/office/drawing/2010/main" val="0"/>
+              </a:ext>
+            </a:extLst>
+          </a:blip>
+          <a:stretch>
+            <a:fillRect/>
+          </a:stretch>
+        </p:blipFill>
+        <p:spPr>
+          <a:xfrm>
+            <a:off x="0" y="0"/>
+            <a:ext cx="12192000" cy="6858000"/>
+          </a:xfrm>
+          <a:prstGeom prst="rect">
+            <a:avLst/>
+          </a:prstGeom>
+        </p:spPr>
+      </p:pic>
     </p:spTree>
     <p:extLst>
       <p:ext uri="{BB962C8B-B14F-4D97-AF65-F5344CB8AC3E}">
@@ -4793,6 +4857,66 @@
 </file>
 
 <file path=ppt/slides/slide3.xml><?xml version="1.0" encoding="utf-8"?>
+<p:sld xmlns:a="http://schemas.openxmlformats.org/drawingml/2006/main" xmlns:r="http://schemas.openxmlformats.org/officeDocument/2006/relationships" xmlns:p="http://schemas.openxmlformats.org/presentationml/2006/main">
+  <p:cSld>
+    <p:spTree>
+      <p:nvGrpSpPr>
+        <p:cNvPr id="1" name=""/>
+        <p:cNvGrpSpPr/>
+        <p:nvPr/>
+      </p:nvGrpSpPr>
+      <p:grpSpPr>
+        <a:xfrm>
+          <a:off x="0" y="0"/>
+          <a:ext cx="0" cy="0"/>
+          <a:chOff x="0" y="0"/>
+          <a:chExt cx="0" cy="0"/>
+        </a:xfrm>
+      </p:grpSpPr>
+      <p:pic>
+        <p:nvPicPr>
+          <p:cNvPr id="4" name="Picture 3">
+            <a:extLst>
+              <a:ext uri="{FF2B5EF4-FFF2-40B4-BE49-F238E27FC236}">
+                <a16:creationId xmlns:a16="http://schemas.microsoft.com/office/drawing/2014/main" id="{1C977B10-BA3C-4A60-BA83-F38A9A691495}"/>
+              </a:ext>
+            </a:extLst>
+          </p:cNvPr>
+          <p:cNvPicPr>
+            <a:picLocks noChangeAspect="1"/>
+          </p:cNvPicPr>
+          <p:nvPr/>
+        </p:nvPicPr>
+        <p:blipFill>
+          <a:blip r:embed="rId2"/>
+          <a:stretch>
+            <a:fillRect/>
+          </a:stretch>
+        </p:blipFill>
+        <p:spPr>
+          <a:xfrm>
+            <a:off x="0" y="0"/>
+            <a:ext cx="12192000" cy="6858000"/>
+          </a:xfrm>
+          <a:prstGeom prst="rect">
+            <a:avLst/>
+          </a:prstGeom>
+        </p:spPr>
+      </p:pic>
+    </p:spTree>
+    <p:extLst>
+      <p:ext uri="{BB962C8B-B14F-4D97-AF65-F5344CB8AC3E}">
+        <p14:creationId xmlns:p14="http://schemas.microsoft.com/office/powerpoint/2010/main" val="1248468223"/>
+      </p:ext>
+    </p:extLst>
+  </p:cSld>
+  <p:clrMapOvr>
+    <a:masterClrMapping/>
+  </p:clrMapOvr>
+</p:sld>
+</file>
+
+<file path=ppt/slides/slide4.xml><?xml version="1.0" encoding="utf-8"?>
 <p:sld xmlns:a="http://schemas.openxmlformats.org/drawingml/2006/main" xmlns:r="http://schemas.openxmlformats.org/officeDocument/2006/relationships" xmlns:p="http://schemas.openxmlformats.org/presentationml/2006/main">
   <p:cSld>
     <p:spTree>
@@ -4852,7 +4976,7 @@
 </p:sld>
 </file>
 
-<file path=ppt/slides/slide4.xml><?xml version="1.0" encoding="utf-8"?>
+<file path=ppt/slides/slide5.xml><?xml version="1.0" encoding="utf-8"?>
 <p:sld xmlns:a="http://schemas.openxmlformats.org/drawingml/2006/main" xmlns:r="http://schemas.openxmlformats.org/officeDocument/2006/relationships" xmlns:p="http://schemas.openxmlformats.org/presentationml/2006/main">
   <p:cSld>
     <p:spTree>
@@ -4912,7 +5036,7 @@
 </p:sld>
 </file>
 
-<file path=ppt/slides/slide5.xml><?xml version="1.0" encoding="utf-8"?>
+<file path=ppt/slides/slide6.xml><?xml version="1.0" encoding="utf-8"?>
 <p:sld xmlns:a="http://schemas.openxmlformats.org/drawingml/2006/main" xmlns:r="http://schemas.openxmlformats.org/officeDocument/2006/relationships" xmlns:p="http://schemas.openxmlformats.org/presentationml/2006/main">
   <p:cSld>
     <p:spTree>
@@ -5002,7 +5126,7 @@
 </p:sld>
 </file>
 
-<file path=ppt/slides/slide6.xml><?xml version="1.0" encoding="utf-8"?>
+<file path=ppt/slides/slide7.xml><?xml version="1.0" encoding="utf-8"?>
 <p:sld xmlns:a="http://schemas.openxmlformats.org/drawingml/2006/main" xmlns:r="http://schemas.openxmlformats.org/officeDocument/2006/relationships" xmlns:p="http://schemas.openxmlformats.org/presentationml/2006/main">
   <p:cSld>
     <p:spTree>
@@ -5062,7 +5186,7 @@
 </p:sld>
 </file>
 
-<file path=ppt/slides/slide7.xml><?xml version="1.0" encoding="utf-8"?>
+<file path=ppt/slides/slide8.xml><?xml version="1.0" encoding="utf-8"?>
 <p:sld xmlns:a="http://schemas.openxmlformats.org/drawingml/2006/main" xmlns:r="http://schemas.openxmlformats.org/officeDocument/2006/relationships" xmlns:p="http://schemas.openxmlformats.org/presentationml/2006/main">
   <p:cSld>
     <p:spTree>
@@ -5122,7 +5246,7 @@
 </p:sld>
 </file>
 
-<file path=ppt/slides/slide8.xml><?xml version="1.0" encoding="utf-8"?>
+<file path=ppt/slides/slide9.xml><?xml version="1.0" encoding="utf-8"?>
 <p:sld xmlns:a="http://schemas.openxmlformats.org/drawingml/2006/main" xmlns:r="http://schemas.openxmlformats.org/officeDocument/2006/relationships" xmlns:p="http://schemas.openxmlformats.org/presentationml/2006/main">
   <p:cSld>
     <p:spTree>
@@ -5173,66 +5297,6 @@
     <p:extLst>
       <p:ext uri="{BB962C8B-B14F-4D97-AF65-F5344CB8AC3E}">
         <p14:creationId xmlns:p14="http://schemas.microsoft.com/office/powerpoint/2010/main" val="17494537"/>
-      </p:ext>
-    </p:extLst>
-  </p:cSld>
-  <p:clrMapOvr>
-    <a:masterClrMapping/>
-  </p:clrMapOvr>
-</p:sld>
-</file>
-
-<file path=ppt/slides/slide9.xml><?xml version="1.0" encoding="utf-8"?>
-<p:sld xmlns:a="http://schemas.openxmlformats.org/drawingml/2006/main" xmlns:r="http://schemas.openxmlformats.org/officeDocument/2006/relationships" xmlns:p="http://schemas.openxmlformats.org/presentationml/2006/main">
-  <p:cSld>
-    <p:spTree>
-      <p:nvGrpSpPr>
-        <p:cNvPr id="1" name=""/>
-        <p:cNvGrpSpPr/>
-        <p:nvPr/>
-      </p:nvGrpSpPr>
-      <p:grpSpPr>
-        <a:xfrm>
-          <a:off x="0" y="0"/>
-          <a:ext cx="0" cy="0"/>
-          <a:chOff x="0" y="0"/>
-          <a:chExt cx="0" cy="0"/>
-        </a:xfrm>
-      </p:grpSpPr>
-      <p:pic>
-        <p:nvPicPr>
-          <p:cNvPr id="2" name="Picture 1">
-            <a:extLst>
-              <a:ext uri="{FF2B5EF4-FFF2-40B4-BE49-F238E27FC236}">
-                <a16:creationId xmlns:a16="http://schemas.microsoft.com/office/drawing/2014/main" id="{B0D7171A-92BF-48A5-A53B-D7A9A13D00D9}"/>
-              </a:ext>
-            </a:extLst>
-          </p:cNvPr>
-          <p:cNvPicPr>
-            <a:picLocks noChangeAspect="1"/>
-          </p:cNvPicPr>
-          <p:nvPr/>
-        </p:nvPicPr>
-        <p:blipFill>
-          <a:blip r:embed="rId2"/>
-          <a:stretch>
-            <a:fillRect/>
-          </a:stretch>
-        </p:blipFill>
-        <p:spPr>
-          <a:xfrm>
-            <a:off x="0" y="0"/>
-            <a:ext cx="12192000" cy="6858000"/>
-          </a:xfrm>
-          <a:prstGeom prst="rect">
-            <a:avLst/>
-          </a:prstGeom>
-        </p:spPr>
-      </p:pic>
-    </p:spTree>
-    <p:extLst>
-      <p:ext uri="{BB962C8B-B14F-4D97-AF65-F5344CB8AC3E}">
-        <p14:creationId xmlns:p14="http://schemas.microsoft.com/office/powerpoint/2010/main" val="3365396473"/>
       </p:ext>
     </p:extLst>
   </p:cSld>
